--- a/Calendario2019/Presentaciones/Semana3/SITUACION1_FINAL.pptx
+++ b/Calendario2019/Presentaciones/Semana3/SITUACION1_FINAL.pptx
@@ -217,7 +217,7 @@
           <a:p>
             <a:fld id="{DDE721D5-655F-45D2-B717-3C4CD78C8568}" type="datetimeFigureOut">
               <a:rPr lang="es-MX" smtClean="0"/>
-              <a:t>21/11/2019</a:t>
+              <a:t>22/11/2019</a:t>
             </a:fld>
             <a:endParaRPr lang="es-MX" dirty="0"/>
           </a:p>
@@ -485,6 +485,90 @@
 </p:notesMaster>
 </file>
 
+<file path=ppt/notesSlides/notesSlide1.xml><?xml version="1.0" encoding="utf-8"?>
+<p:notes xmlns:a="http://schemas.openxmlformats.org/drawingml/2006/main" xmlns:r="http://schemas.openxmlformats.org/officeDocument/2006/relationships" xmlns:p="http://schemas.openxmlformats.org/presentationml/2006/main">
+  <p:cSld>
+    <p:spTree>
+      <p:nvGrpSpPr>
+        <p:cNvPr id="1" name=""/>
+        <p:cNvGrpSpPr/>
+        <p:nvPr/>
+      </p:nvGrpSpPr>
+      <p:grpSpPr>
+        <a:xfrm>
+          <a:off x="0" y="0"/>
+          <a:ext cx="0" cy="0"/>
+          <a:chOff x="0" y="0"/>
+          <a:chExt cx="0" cy="0"/>
+        </a:xfrm>
+      </p:grpSpPr>
+      <p:sp>
+        <p:nvSpPr>
+          <p:cNvPr id="2" name="Marcador de imagen de diapositiva 1"/>
+          <p:cNvSpPr>
+            <a:spLocks noGrp="1" noRot="1" noChangeAspect="1"/>
+          </p:cNvSpPr>
+          <p:nvPr>
+            <p:ph type="sldImg"/>
+          </p:nvPr>
+        </p:nvSpPr>
+        <p:spPr/>
+      </p:sp>
+      <p:sp>
+        <p:nvSpPr>
+          <p:cNvPr id="3" name="Marcador de notas 2"/>
+          <p:cNvSpPr>
+            <a:spLocks noGrp="1"/>
+          </p:cNvSpPr>
+          <p:nvPr>
+            <p:ph type="body" idx="1"/>
+          </p:nvPr>
+        </p:nvSpPr>
+        <p:spPr/>
+        <p:txBody>
+          <a:bodyPr/>
+          <a:lstStyle/>
+          <a:p>
+            <a:endParaRPr lang="es-MX" dirty="0"/>
+          </a:p>
+        </p:txBody>
+      </p:sp>
+      <p:sp>
+        <p:nvSpPr>
+          <p:cNvPr id="4" name="Marcador de número de diapositiva 3"/>
+          <p:cNvSpPr>
+            <a:spLocks noGrp="1"/>
+          </p:cNvSpPr>
+          <p:nvPr>
+            <p:ph type="sldNum" sz="quarter" idx="5"/>
+          </p:nvPr>
+        </p:nvSpPr>
+        <p:spPr/>
+        <p:txBody>
+          <a:bodyPr/>
+          <a:lstStyle/>
+          <a:p>
+            <a:fld id="{6BAB4312-99A1-4CE9-ACE7-4C62E9FD90EE}" type="slidenum">
+              <a:rPr lang="es-MX" smtClean="0"/>
+              <a:t>8</a:t>
+            </a:fld>
+            <a:endParaRPr lang="es-MX" dirty="0"/>
+          </a:p>
+        </p:txBody>
+      </p:sp>
+    </p:spTree>
+    <p:extLst>
+      <p:ext uri="{BB962C8B-B14F-4D97-AF65-F5344CB8AC3E}">
+        <p14:creationId xmlns:p14="http://schemas.microsoft.com/office/powerpoint/2010/main" val="621101295"/>
+      </p:ext>
+    </p:extLst>
+  </p:cSld>
+  <p:clrMapOvr>
+    <a:masterClrMapping/>
+  </p:clrMapOvr>
+</p:notes>
+</file>
+
 <file path=ppt/slideLayouts/slideLayout1.xml><?xml version="1.0" encoding="utf-8"?>
 <p:sldLayout xmlns:a="http://schemas.openxmlformats.org/drawingml/2006/main" xmlns:r="http://schemas.openxmlformats.org/officeDocument/2006/relationships" xmlns:p="http://schemas.openxmlformats.org/presentationml/2006/main" type="title" preserve="1">
   <p:cSld name="Diapositiva de título">
@@ -666,7 +750,7 @@
           <a:p>
             <a:fld id="{B3F3E716-CACC-4490-AD07-F24B6A68DE47}" type="datetimeFigureOut">
               <a:rPr lang="es-MX" smtClean="0"/>
-              <a:t>21/11/2019</a:t>
+              <a:t>22/11/2019</a:t>
             </a:fld>
             <a:endParaRPr lang="es-MX" dirty="0"/>
           </a:p>
@@ -836,7 +920,7 @@
           <a:p>
             <a:fld id="{B3F3E716-CACC-4490-AD07-F24B6A68DE47}" type="datetimeFigureOut">
               <a:rPr lang="es-MX" smtClean="0"/>
-              <a:t>21/11/2019</a:t>
+              <a:t>22/11/2019</a:t>
             </a:fld>
             <a:endParaRPr lang="es-MX" dirty="0"/>
           </a:p>
@@ -1016,7 +1100,7 @@
           <a:p>
             <a:fld id="{B3F3E716-CACC-4490-AD07-F24B6A68DE47}" type="datetimeFigureOut">
               <a:rPr lang="es-MX" smtClean="0"/>
-              <a:t>21/11/2019</a:t>
+              <a:t>22/11/2019</a:t>
             </a:fld>
             <a:endParaRPr lang="es-MX" dirty="0"/>
           </a:p>
@@ -1186,7 +1270,7 @@
           <a:p>
             <a:fld id="{B3F3E716-CACC-4490-AD07-F24B6A68DE47}" type="datetimeFigureOut">
               <a:rPr lang="es-MX" smtClean="0"/>
-              <a:t>21/11/2019</a:t>
+              <a:t>22/11/2019</a:t>
             </a:fld>
             <a:endParaRPr lang="es-MX" dirty="0"/>
           </a:p>
@@ -1432,7 +1516,7 @@
           <a:p>
             <a:fld id="{B3F3E716-CACC-4490-AD07-F24B6A68DE47}" type="datetimeFigureOut">
               <a:rPr lang="es-MX" smtClean="0"/>
-              <a:t>21/11/2019</a:t>
+              <a:t>22/11/2019</a:t>
             </a:fld>
             <a:endParaRPr lang="es-MX" dirty="0"/>
           </a:p>
@@ -1720,7 +1804,7 @@
           <a:p>
             <a:fld id="{B3F3E716-CACC-4490-AD07-F24B6A68DE47}" type="datetimeFigureOut">
               <a:rPr lang="es-MX" smtClean="0"/>
-              <a:t>21/11/2019</a:t>
+              <a:t>22/11/2019</a:t>
             </a:fld>
             <a:endParaRPr lang="es-MX" dirty="0"/>
           </a:p>
@@ -2142,7 +2226,7 @@
           <a:p>
             <a:fld id="{B3F3E716-CACC-4490-AD07-F24B6A68DE47}" type="datetimeFigureOut">
               <a:rPr lang="es-MX" smtClean="0"/>
-              <a:t>21/11/2019</a:t>
+              <a:t>22/11/2019</a:t>
             </a:fld>
             <a:endParaRPr lang="es-MX" dirty="0"/>
           </a:p>
@@ -2260,7 +2344,7 @@
           <a:p>
             <a:fld id="{B3F3E716-CACC-4490-AD07-F24B6A68DE47}" type="datetimeFigureOut">
               <a:rPr lang="es-MX" smtClean="0"/>
-              <a:t>21/11/2019</a:t>
+              <a:t>22/11/2019</a:t>
             </a:fld>
             <a:endParaRPr lang="es-MX" dirty="0"/>
           </a:p>
@@ -2355,7 +2439,7 @@
           <a:p>
             <a:fld id="{B3F3E716-CACC-4490-AD07-F24B6A68DE47}" type="datetimeFigureOut">
               <a:rPr lang="es-MX" smtClean="0"/>
-              <a:t>21/11/2019</a:t>
+              <a:t>22/11/2019</a:t>
             </a:fld>
             <a:endParaRPr lang="es-MX" dirty="0"/>
           </a:p>
@@ -2632,7 +2716,7 @@
           <a:p>
             <a:fld id="{B3F3E716-CACC-4490-AD07-F24B6A68DE47}" type="datetimeFigureOut">
               <a:rPr lang="es-MX" smtClean="0"/>
-              <a:t>21/11/2019</a:t>
+              <a:t>22/11/2019</a:t>
             </a:fld>
             <a:endParaRPr lang="es-MX" dirty="0"/>
           </a:p>
@@ -2885,7 +2969,7 @@
           <a:p>
             <a:fld id="{B3F3E716-CACC-4490-AD07-F24B6A68DE47}" type="datetimeFigureOut">
               <a:rPr lang="es-MX" smtClean="0"/>
-              <a:t>21/11/2019</a:t>
+              <a:t>22/11/2019</a:t>
             </a:fld>
             <a:endParaRPr lang="es-MX" dirty="0"/>
           </a:p>
@@ -3098,7 +3182,7 @@
           <a:p>
             <a:fld id="{B3F3E716-CACC-4490-AD07-F24B6A68DE47}" type="datetimeFigureOut">
               <a:rPr lang="es-MX" smtClean="0"/>
-              <a:t>21/11/2019</a:t>
+              <a:t>22/11/2019</a:t>
             </a:fld>
             <a:endParaRPr lang="es-MX" dirty="0"/>
           </a:p>
@@ -5289,7 +5373,29 @@
                 </a:solidFill>
                 <a:cs typeface="Arial" panose="020B0604020202020204" pitchFamily="34" charset="0"/>
               </a:rPr>
-              <a:t> debe comprobar que la clave esté dentro de la lista de claves permitidas, de lo contrario, imprimir “Intenta de nuevo, introduce tu clave de acceso”, hasta que introduzca una clave válida.</a:t>
+              <a:t> debe comprobar que la clave esté dentro de la lista de claves permitidas, de lo contrario, imprimir </a:t>
+            </a:r>
+            <a:r>
+              <a:rPr lang="es-MX" sz="2400" b="1" dirty="0">
+                <a:solidFill>
+                  <a:schemeClr val="bg2">
+                    <a:lumMod val="25000"/>
+                  </a:schemeClr>
+                </a:solidFill>
+                <a:cs typeface="Arial" panose="020B0604020202020204" pitchFamily="34" charset="0"/>
+              </a:rPr>
+              <a:t>"Intenta de nuevo, introduce tu clave de acceso"</a:t>
+            </a:r>
+            <a:r>
+              <a:rPr lang="es-MX" sz="2400" dirty="0">
+                <a:solidFill>
+                  <a:schemeClr val="bg2">
+                    <a:lumMod val="25000"/>
+                  </a:schemeClr>
+                </a:solidFill>
+                <a:cs typeface="Arial" panose="020B0604020202020204" pitchFamily="34" charset="0"/>
+              </a:rPr>
+              <a:t>, hasta que introduzca una clave válida. Al final de tu función, imprime Bienvenido cuando la clave sea correcta.</a:t>
             </a:r>
           </a:p>
           <a:p>
@@ -6013,7 +6119,7 @@
                 </a:solidFill>
                 <a:cs typeface="Arial" panose="020B0604020202020204" pitchFamily="34" charset="0"/>
               </a:rPr>
-              <a:t>, agregar en los parámetros de entrada la lista de claves válidas (</a:t>
+              <a:t>, agrega en los parámetros de entrada la lista de claves válidas (</a:t>
             </a:r>
             <a:r>
               <a:rPr lang="es-MX" sz="2200" dirty="0" err="1">
@@ -6724,8 +6830,8 @@
         </p:nvSpPr>
         <p:spPr>
           <a:xfrm>
-            <a:off x="107504" y="1412776"/>
-            <a:ext cx="8712968" cy="5112568"/>
+            <a:off x="0" y="1628800"/>
+            <a:ext cx="8712968" cy="5589240"/>
           </a:xfrm>
         </p:spPr>
         <p:txBody>
@@ -6741,11 +6847,14 @@
               <a:spcBef>
                 <a:spcPts val="600"/>
               </a:spcBef>
+              <a:spcAft>
+                <a:spcPts val="600"/>
+              </a:spcAft>
               <a:buFont typeface="Wingdings" panose="05000000000000000000" pitchFamily="2" charset="2"/>
               <a:buChar char="v"/>
             </a:pPr>
             <a:r>
-              <a:rPr lang="es-MX" sz="2400" dirty="0">
+              <a:rPr lang="es-MX" sz="2200" dirty="0">
                 <a:solidFill>
                   <a:schemeClr val="bg2">
                     <a:lumMod val="25000"/>
@@ -6756,7 +6865,7 @@
               <a:t>Declara las variables de </a:t>
             </a:r>
             <a:r>
-              <a:rPr lang="es-MX" sz="2400" b="1" dirty="0">
+              <a:rPr lang="es-MX" sz="2200" b="1" dirty="0">
                 <a:solidFill>
                   <a:schemeClr val="bg2">
                     <a:lumMod val="25000"/>
@@ -6767,7 +6876,7 @@
               <a:t>saldo en 1000</a:t>
             </a:r>
             <a:r>
-              <a:rPr lang="es-MX" sz="2400" dirty="0">
+              <a:rPr lang="es-MX" sz="2200" dirty="0">
                 <a:solidFill>
                   <a:schemeClr val="bg2">
                     <a:lumMod val="25000"/>
@@ -6778,7 +6887,7 @@
               <a:t>, </a:t>
             </a:r>
             <a:r>
-              <a:rPr lang="es-MX" sz="2400" b="1" dirty="0" err="1">
+              <a:rPr lang="es-MX" sz="2200" b="1" dirty="0" err="1">
                 <a:solidFill>
                   <a:schemeClr val="bg2">
                     <a:lumMod val="25000"/>
@@ -6789,7 +6898,7 @@
               <a:t>listaClaves</a:t>
             </a:r>
             <a:r>
-              <a:rPr lang="es-MX" sz="2400" dirty="0">
+              <a:rPr lang="es-MX" sz="2200" dirty="0">
                 <a:solidFill>
                   <a:schemeClr val="bg2">
                     <a:lumMod val="25000"/>
@@ -6800,7 +6909,7 @@
               <a:t> con al menos 5 claves, </a:t>
             </a:r>
             <a:r>
-              <a:rPr lang="es-MX" sz="2400" b="1" dirty="0" err="1">
+              <a:rPr lang="es-MX" sz="2200" b="1" dirty="0" err="1">
                 <a:solidFill>
                   <a:schemeClr val="bg2">
                     <a:lumMod val="25000"/>
@@ -6811,7 +6920,7 @@
               <a:t>totalAdultos</a:t>
             </a:r>
             <a:r>
-              <a:rPr lang="es-MX" sz="2400" b="1" dirty="0">
+              <a:rPr lang="es-MX" sz="2200" b="1" dirty="0">
                 <a:solidFill>
                   <a:schemeClr val="bg2">
                     <a:lumMod val="25000"/>
@@ -6822,7 +6931,7 @@
               <a:t> en 0</a:t>
             </a:r>
             <a:r>
-              <a:rPr lang="es-MX" sz="2400" dirty="0">
+              <a:rPr lang="es-MX" sz="2200" dirty="0">
                 <a:solidFill>
                   <a:schemeClr val="bg2">
                     <a:lumMod val="25000"/>
@@ -6833,7 +6942,7 @@
               <a:t>, </a:t>
             </a:r>
             <a:r>
-              <a:rPr lang="es-MX" sz="2400" b="1" dirty="0" err="1">
+              <a:rPr lang="es-MX" sz="2200" b="1" dirty="0" err="1">
                 <a:solidFill>
                   <a:schemeClr val="bg2">
                     <a:lumMod val="25000"/>
@@ -6844,7 +6953,7 @@
               <a:t>totalNinos</a:t>
             </a:r>
             <a:r>
-              <a:rPr lang="es-MX" sz="2400" b="1" dirty="0">
+              <a:rPr lang="es-MX" sz="2200" b="1" dirty="0">
                 <a:solidFill>
                   <a:schemeClr val="bg2">
                     <a:lumMod val="25000"/>
@@ -6855,7 +6964,7 @@
               <a:t> en 0</a:t>
             </a:r>
             <a:r>
-              <a:rPr lang="es-MX" sz="2400" dirty="0">
+              <a:rPr lang="es-MX" sz="2200" dirty="0">
                 <a:solidFill>
                   <a:schemeClr val="bg2">
                     <a:lumMod val="25000"/>
@@ -6866,7 +6975,7 @@
               <a:t> y </a:t>
             </a:r>
             <a:r>
-              <a:rPr lang="es-MX" sz="2400" b="1" dirty="0">
+              <a:rPr lang="es-MX" sz="2200" b="1" dirty="0">
                 <a:solidFill>
                   <a:schemeClr val="bg2">
                     <a:lumMod val="25000"/>
@@ -6877,7 +6986,7 @@
               <a:t>contRec500 en 0</a:t>
             </a:r>
             <a:r>
-              <a:rPr lang="es-MX" sz="2400" dirty="0">
+              <a:rPr lang="es-MX" sz="2200" dirty="0">
                 <a:solidFill>
                   <a:schemeClr val="bg2">
                     <a:lumMod val="25000"/>
@@ -6896,11 +7005,14 @@
               <a:spcBef>
                 <a:spcPts val="600"/>
               </a:spcBef>
+              <a:spcAft>
+                <a:spcPts val="600"/>
+              </a:spcAft>
               <a:buFont typeface="Wingdings" panose="05000000000000000000" pitchFamily="2" charset="2"/>
               <a:buChar char="v"/>
             </a:pPr>
             <a:r>
-              <a:rPr lang="es-MX" sz="2400" dirty="0">
+              <a:rPr lang="es-MX" sz="2200" dirty="0">
                 <a:solidFill>
                   <a:schemeClr val="bg2">
                     <a:lumMod val="25000"/>
@@ -6911,18 +7023,18 @@
               <a:t>Manda llamar la función </a:t>
             </a:r>
             <a:r>
-              <a:rPr lang="es-MX" sz="2400" b="1" dirty="0" err="1">
-                <a:solidFill>
-                  <a:schemeClr val="bg2">
-                    <a:lumMod val="25000"/>
-                  </a:schemeClr>
-                </a:solidFill>
-                <a:cs typeface="Arial" panose="020B0604020202020204" pitchFamily="34" charset="0"/>
-              </a:rPr>
-              <a:t>checaClave</a:t>
-            </a:r>
-            <a:r>
-              <a:rPr lang="es-MX" sz="2400" b="1" dirty="0">
+              <a:rPr lang="es-MX" sz="2200" b="1" dirty="0" err="1">
+                <a:solidFill>
+                  <a:schemeClr val="bg2">
+                    <a:lumMod val="25000"/>
+                  </a:schemeClr>
+                </a:solidFill>
+                <a:cs typeface="Arial" panose="020B0604020202020204" pitchFamily="34" charset="0"/>
+              </a:rPr>
+              <a:t>compruebaClave</a:t>
+            </a:r>
+            <a:r>
+              <a:rPr lang="es-MX" sz="2200" b="1" dirty="0">
                 <a:solidFill>
                   <a:schemeClr val="bg2">
                     <a:lumMod val="25000"/>
@@ -6933,7 +7045,7 @@
               <a:t>(</a:t>
             </a:r>
             <a:r>
-              <a:rPr lang="es-MX" sz="2400" b="1" dirty="0" err="1">
+              <a:rPr lang="es-MX" sz="2200" b="1" dirty="0" err="1">
                 <a:solidFill>
                   <a:schemeClr val="bg2">
                     <a:lumMod val="25000"/>
@@ -6944,7 +7056,7 @@
               <a:t>listaClaves</a:t>
             </a:r>
             <a:r>
-              <a:rPr lang="es-MX" sz="2400" b="1" dirty="0">
+              <a:rPr lang="es-MX" sz="2200" b="1" dirty="0">
                 <a:solidFill>
                   <a:schemeClr val="bg2">
                     <a:lumMod val="25000"/>
@@ -6955,15 +7067,15 @@
               <a:t>)</a:t>
             </a:r>
             <a:r>
-              <a:rPr lang="es-MX" sz="2400" dirty="0">
-                <a:solidFill>
-                  <a:schemeClr val="bg2">
-                    <a:lumMod val="25000"/>
-                  </a:schemeClr>
-                </a:solidFill>
-                <a:cs typeface="Arial" panose="020B0604020202020204" pitchFamily="34" charset="0"/>
-              </a:rPr>
-              <a:t>, que recibe la lista de claves definidas.</a:t>
+              <a:rPr lang="es-MX" sz="2200" dirty="0">
+                <a:solidFill>
+                  <a:schemeClr val="bg2">
+                    <a:lumMod val="25000"/>
+                  </a:schemeClr>
+                </a:solidFill>
+                <a:cs typeface="Arial" panose="020B0604020202020204" pitchFamily="34" charset="0"/>
+              </a:rPr>
+              <a:t>, que recibe la lista de claves definidas e imprime Bienvenido cuando el usuario introduce la clave correcta.</a:t>
             </a:r>
           </a:p>
           <a:p>
@@ -6974,11 +7086,14 @@
               <a:spcBef>
                 <a:spcPts val="600"/>
               </a:spcBef>
+              <a:spcAft>
+                <a:spcPts val="600"/>
+              </a:spcAft>
               <a:buFont typeface="Wingdings" panose="05000000000000000000" pitchFamily="2" charset="2"/>
               <a:buChar char="v"/>
             </a:pPr>
             <a:r>
-              <a:rPr lang="es-MX" sz="2400" dirty="0">
+              <a:rPr lang="es-MX" sz="2200" dirty="0">
                 <a:solidFill>
                   <a:schemeClr val="bg2">
                     <a:lumMod val="25000"/>
@@ -6989,7 +7104,7 @@
               <a:t>Manda llamar la función </a:t>
             </a:r>
             <a:r>
-              <a:rPr lang="es-MX" sz="2400" b="1" dirty="0" err="1">
+              <a:rPr lang="es-MX" sz="2200" b="1" dirty="0" err="1">
                 <a:solidFill>
                   <a:schemeClr val="bg2">
                     <a:lumMod val="25000"/>
@@ -7000,7 +7115,7 @@
               <a:t>menuPrincipal</a:t>
             </a:r>
             <a:r>
-              <a:rPr lang="es-MX" sz="2400" dirty="0">
+              <a:rPr lang="es-MX" sz="2200" dirty="0">
                 <a:solidFill>
                   <a:schemeClr val="bg2">
                     <a:lumMod val="25000"/>
@@ -7011,7 +7126,7 @@
               <a:t> y de acuerdo a la opción seleccionada por el usuario le dé la oportunidad de ejecutar cualquiera de las funciones que han sido construidas, haciendo uso del </a:t>
             </a:r>
             <a:r>
-              <a:rPr lang="es-MX" sz="2400" dirty="0" err="1">
+              <a:rPr lang="es-MX" sz="2200" b="1" dirty="0" err="1">
                 <a:solidFill>
                   <a:schemeClr val="bg2">
                     <a:lumMod val="25000"/>
@@ -7022,18 +7137,29 @@
               <a:t>if</a:t>
             </a:r>
             <a:r>
-              <a:rPr lang="es-MX" sz="2400" dirty="0">
-                <a:solidFill>
-                  <a:schemeClr val="bg2">
-                    <a:lumMod val="25000"/>
-                  </a:schemeClr>
-                </a:solidFill>
-                <a:cs typeface="Arial" panose="020B0604020202020204" pitchFamily="34" charset="0"/>
-              </a:rPr>
-              <a:t> - anidado. Utiliza  el ciclo </a:t>
-            </a:r>
-            <a:r>
-              <a:rPr lang="es-MX" sz="2400" b="1" dirty="0" err="1">
+              <a:rPr lang="es-MX" sz="2200" b="1" dirty="0">
+                <a:solidFill>
+                  <a:schemeClr val="bg2">
+                    <a:lumMod val="25000"/>
+                  </a:schemeClr>
+                </a:solidFill>
+                <a:cs typeface="Arial" panose="020B0604020202020204" pitchFamily="34" charset="0"/>
+              </a:rPr>
+              <a:t> - anidado</a:t>
+            </a:r>
+            <a:r>
+              <a:rPr lang="es-MX" sz="2200" dirty="0">
+                <a:solidFill>
+                  <a:schemeClr val="bg2">
+                    <a:lumMod val="25000"/>
+                  </a:schemeClr>
+                </a:solidFill>
+                <a:cs typeface="Arial" panose="020B0604020202020204" pitchFamily="34" charset="0"/>
+              </a:rPr>
+              <a:t>. Utiliza  el ciclo </a:t>
+            </a:r>
+            <a:r>
+              <a:rPr lang="es-MX" sz="2200" b="1" dirty="0" err="1">
                 <a:solidFill>
                   <a:schemeClr val="bg2">
                     <a:lumMod val="25000"/>
@@ -7044,7 +7170,7 @@
               <a:t>while</a:t>
             </a:r>
             <a:r>
-              <a:rPr lang="es-MX" sz="2400" dirty="0">
+              <a:rPr lang="es-MX" sz="2200" dirty="0">
                 <a:solidFill>
                   <a:schemeClr val="bg2">
                     <a:lumMod val="25000"/>
@@ -7089,7 +7215,7 @@
         </p:nvSpPr>
         <p:spPr>
           <a:xfrm>
-            <a:off x="302027" y="0"/>
+            <a:off x="457200" y="260648"/>
             <a:ext cx="8229600" cy="1143000"/>
           </a:xfrm>
         </p:spPr>
